--- a/slides/15-Generics.pptx
+++ b/slides/15-Generics.pptx
@@ -231,7 +231,7 @@
             <a:fld id="{63EE0429-3A54-4FCE-9BEC-4E6874F5DDA5}" type="datetimeFigureOut">
               <a:rPr lang="pt-BR" smtClean="0"/>
               <a:pPr/>
-              <a:t>21/01/2012</a:t>
+              <a:t>23/01/2012</a:t>
             </a:fld>
             <a:endParaRPr lang="pt-BR"/>
           </a:p>
@@ -400,7 +400,7 @@
     </p:spTree>
     <p:extLst>
       <p:ext uri="{BB962C8B-B14F-4D97-AF65-F5344CB8AC3E}">
-        <p14:creationId xmlns="" xmlns:p14="http://schemas.microsoft.com/office/powerpoint/2010/main" val="594373875"/>
+        <p14:creationId xmlns:p14="http://schemas.microsoft.com/office/powerpoint/2010/main" xmlns="" val="594373875"/>
       </p:ext>
     </p:extLst>
   </p:cSld>
@@ -579,7 +579,7 @@
     </p:spTree>
     <p:extLst>
       <p:ext uri="{BB962C8B-B14F-4D97-AF65-F5344CB8AC3E}">
-        <p14:creationId xmlns="" xmlns:p14="http://schemas.microsoft.com/office/powerpoint/2010/main" val="3805640522"/>
+        <p14:creationId xmlns:p14="http://schemas.microsoft.com/office/powerpoint/2010/main" xmlns="" val="3805640522"/>
       </p:ext>
     </p:extLst>
   </p:cSld>
@@ -3896,7 +3896,7 @@
             <a:fld id="{C1675C04-B1D7-4314-A174-D1660FB6FF37}" type="datetimeFigureOut">
               <a:rPr lang="pt-BR" smtClean="0"/>
               <a:pPr/>
-              <a:t>21/01/2012</a:t>
+              <a:t>23/01/2012</a:t>
             </a:fld>
             <a:endParaRPr lang="pt-BR"/>
           </a:p>
@@ -3948,7 +3948,7 @@
     </p:spTree>
     <p:extLst>
       <p:ext uri="{BB962C8B-B14F-4D97-AF65-F5344CB8AC3E}">
-        <p14:creationId xmlns="" xmlns:p14="http://schemas.microsoft.com/office/powerpoint/2010/main" val="3819067513"/>
+        <p14:creationId xmlns:p14="http://schemas.microsoft.com/office/powerpoint/2010/main" xmlns="" val="3819067513"/>
       </p:ext>
     </p:extLst>
   </p:cSld>
@@ -4120,7 +4120,7 @@
             <a:fld id="{C1675C04-B1D7-4314-A174-D1660FB6FF37}" type="datetimeFigureOut">
               <a:rPr lang="pt-BR" smtClean="0"/>
               <a:pPr/>
-              <a:t>21/01/2012</a:t>
+              <a:t>23/01/2012</a:t>
             </a:fld>
             <a:endParaRPr lang="pt-BR"/>
           </a:p>
@@ -4172,7 +4172,7 @@
     </p:spTree>
     <p:extLst>
       <p:ext uri="{BB962C8B-B14F-4D97-AF65-F5344CB8AC3E}">
-        <p14:creationId xmlns="" xmlns:p14="http://schemas.microsoft.com/office/powerpoint/2010/main" val="4293683188"/>
+        <p14:creationId xmlns:p14="http://schemas.microsoft.com/office/powerpoint/2010/main" xmlns="" val="4293683188"/>
       </p:ext>
     </p:extLst>
   </p:cSld>
@@ -4354,7 +4354,7 @@
             <a:fld id="{C1675C04-B1D7-4314-A174-D1660FB6FF37}" type="datetimeFigureOut">
               <a:rPr lang="pt-BR" smtClean="0"/>
               <a:pPr/>
-              <a:t>21/01/2012</a:t>
+              <a:t>23/01/2012</a:t>
             </a:fld>
             <a:endParaRPr lang="pt-BR"/>
           </a:p>
@@ -4406,7 +4406,7 @@
     </p:spTree>
     <p:extLst>
       <p:ext uri="{BB962C8B-B14F-4D97-AF65-F5344CB8AC3E}">
-        <p14:creationId xmlns="" xmlns:p14="http://schemas.microsoft.com/office/powerpoint/2010/main" val="932540526"/>
+        <p14:creationId xmlns:p14="http://schemas.microsoft.com/office/powerpoint/2010/main" xmlns="" val="932540526"/>
       </p:ext>
     </p:extLst>
   </p:cSld>
@@ -4675,7 +4675,7 @@
     </p:spTree>
     <p:extLst>
       <p:ext uri="{BB962C8B-B14F-4D97-AF65-F5344CB8AC3E}">
-        <p14:creationId xmlns="" xmlns:p14="http://schemas.microsoft.com/office/powerpoint/2010/main" val="45777805"/>
+        <p14:creationId xmlns:p14="http://schemas.microsoft.com/office/powerpoint/2010/main" xmlns="" val="45777805"/>
       </p:ext>
     </p:extLst>
   </p:cSld>
@@ -4715,7 +4715,7 @@
           <a:blip r:embed="rId2" cstate="print">
             <a:extLst>
               <a:ext uri="{BEBA8EAE-BF5A-486C-A8C5-ECC9F3942E4B}">
-                <a14:imgProps xmlns="" xmlns:a14="http://schemas.microsoft.com/office/drawing/2010/main">
+                <a14:imgProps xmlns:a14="http://schemas.microsoft.com/office/drawing/2010/main" xmlns="">
                   <a14:imgLayer r:embed="rId3">
                     <a14:imgEffect>
                       <a14:artisticBlur/>
@@ -4724,7 +4724,7 @@
                 </a14:imgProps>
               </a:ext>
               <a:ext uri="{28A0092B-C50C-407E-A947-70E740481C1C}">
-                <a14:useLocalDpi xmlns="" xmlns:a14="http://schemas.microsoft.com/office/drawing/2010/main" val="0"/>
+                <a14:useLocalDpi xmlns:a14="http://schemas.microsoft.com/office/drawing/2010/main" xmlns="" val="0"/>
               </a:ext>
             </a:extLst>
           </a:blip>
@@ -4746,14 +4746,14 @@
           </a:ln>
           <a:extLst>
             <a:ext uri="{909E8E84-426E-40DD-AFC4-6F175D3DCCD1}">
-              <a14:hiddenFill xmlns="" xmlns:a14="http://schemas.microsoft.com/office/drawing/2010/main">
+              <a14:hiddenFill xmlns:a14="http://schemas.microsoft.com/office/drawing/2010/main" xmlns="">
                 <a:solidFill>
                   <a:schemeClr val="accent1"/>
                 </a:solidFill>
               </a14:hiddenFill>
             </a:ext>
             <a:ext uri="{91240B29-F687-4F45-9708-019B960494DF}">
-              <a14:hiddenLine xmlns="" xmlns:a14="http://schemas.microsoft.com/office/drawing/2010/main" w="9525">
+              <a14:hiddenLine xmlns:a14="http://schemas.microsoft.com/office/drawing/2010/main" xmlns="" w="9525">
                 <a:solidFill>
                   <a:schemeClr val="tx1"/>
                 </a:solidFill>
@@ -4763,7 +4763,7 @@
               </a14:hiddenLine>
             </a:ext>
             <a:ext uri="{AF507438-7753-43E0-B8FC-AC1667EBCBE1}">
-              <a14:hiddenEffects xmlns="" xmlns:a14="http://schemas.microsoft.com/office/drawing/2010/main">
+              <a14:hiddenEffects xmlns:a14="http://schemas.microsoft.com/office/drawing/2010/main" xmlns="">
                 <a:effectLst>
                   <a:outerShdw dist="35921" dir="2700000" algn="ctr" rotWithShape="0">
                     <a:schemeClr val="bg2"/>
@@ -4959,7 +4959,7 @@
             <a:fld id="{C1675C04-B1D7-4314-A174-D1660FB6FF37}" type="datetimeFigureOut">
               <a:rPr lang="pt-BR" smtClean="0"/>
               <a:pPr/>
-              <a:t>21/01/2012</a:t>
+              <a:t>23/01/2012</a:t>
             </a:fld>
             <a:endParaRPr lang="pt-BR"/>
           </a:p>
@@ -5011,7 +5011,7 @@
     </p:spTree>
     <p:extLst>
       <p:ext uri="{BB962C8B-B14F-4D97-AF65-F5344CB8AC3E}">
-        <p14:creationId xmlns="" xmlns:p14="http://schemas.microsoft.com/office/powerpoint/2010/main" val="1140807732"/>
+        <p14:creationId xmlns:p14="http://schemas.microsoft.com/office/powerpoint/2010/main" xmlns="" val="1140807732"/>
       </p:ext>
     </p:extLst>
   </p:cSld>
@@ -5217,7 +5217,7 @@
             <a:fld id="{C1675C04-B1D7-4314-A174-D1660FB6FF37}" type="datetimeFigureOut">
               <a:rPr lang="pt-BR" smtClean="0"/>
               <a:pPr/>
-              <a:t>21/01/2012</a:t>
+              <a:t>23/01/2012</a:t>
             </a:fld>
             <a:endParaRPr lang="pt-BR"/>
           </a:p>
@@ -5269,7 +5269,7 @@
     </p:spTree>
     <p:extLst>
       <p:ext uri="{BB962C8B-B14F-4D97-AF65-F5344CB8AC3E}">
-        <p14:creationId xmlns="" xmlns:p14="http://schemas.microsoft.com/office/powerpoint/2010/main" val="3735907881"/>
+        <p14:creationId xmlns:p14="http://schemas.microsoft.com/office/powerpoint/2010/main" xmlns="" val="3735907881"/>
       </p:ext>
     </p:extLst>
   </p:cSld>
@@ -5563,7 +5563,7 @@
             <a:fld id="{C1675C04-B1D7-4314-A174-D1660FB6FF37}" type="datetimeFigureOut">
               <a:rPr lang="pt-BR" smtClean="0"/>
               <a:pPr/>
-              <a:t>21/01/2012</a:t>
+              <a:t>23/01/2012</a:t>
             </a:fld>
             <a:endParaRPr lang="pt-BR"/>
           </a:p>
@@ -5615,7 +5615,7 @@
     </p:spTree>
     <p:extLst>
       <p:ext uri="{BB962C8B-B14F-4D97-AF65-F5344CB8AC3E}">
-        <p14:creationId xmlns="" xmlns:p14="http://schemas.microsoft.com/office/powerpoint/2010/main" val="2820318444"/>
+        <p14:creationId xmlns:p14="http://schemas.microsoft.com/office/powerpoint/2010/main" xmlns="" val="2820318444"/>
       </p:ext>
     </p:extLst>
   </p:cSld>
@@ -6047,7 +6047,7 @@
             <a:fld id="{C1675C04-B1D7-4314-A174-D1660FB6FF37}" type="datetimeFigureOut">
               <a:rPr lang="pt-BR" smtClean="0"/>
               <a:pPr/>
-              <a:t>21/01/2012</a:t>
+              <a:t>23/01/2012</a:t>
             </a:fld>
             <a:endParaRPr lang="pt-BR"/>
           </a:p>
@@ -6099,7 +6099,7 @@
     </p:spTree>
     <p:extLst>
       <p:ext uri="{BB962C8B-B14F-4D97-AF65-F5344CB8AC3E}">
-        <p14:creationId xmlns="" xmlns:p14="http://schemas.microsoft.com/office/powerpoint/2010/main" val="566552069"/>
+        <p14:creationId xmlns:p14="http://schemas.microsoft.com/office/powerpoint/2010/main" xmlns="" val="566552069"/>
       </p:ext>
     </p:extLst>
   </p:cSld>
@@ -6183,7 +6183,7 @@
             <a:fld id="{C1675C04-B1D7-4314-A174-D1660FB6FF37}" type="datetimeFigureOut">
               <a:rPr lang="pt-BR" smtClean="0"/>
               <a:pPr/>
-              <a:t>21/01/2012</a:t>
+              <a:t>23/01/2012</a:t>
             </a:fld>
             <a:endParaRPr lang="pt-BR"/>
           </a:p>
@@ -6235,7 +6235,7 @@
     </p:spTree>
     <p:extLst>
       <p:ext uri="{BB962C8B-B14F-4D97-AF65-F5344CB8AC3E}">
-        <p14:creationId xmlns="" xmlns:p14="http://schemas.microsoft.com/office/powerpoint/2010/main" val="1358390184"/>
+        <p14:creationId xmlns:p14="http://schemas.microsoft.com/office/powerpoint/2010/main" xmlns="" val="1358390184"/>
       </p:ext>
     </p:extLst>
   </p:cSld>
@@ -6288,7 +6288,7 @@
             <a:fld id="{C1675C04-B1D7-4314-A174-D1660FB6FF37}" type="datetimeFigureOut">
               <a:rPr lang="pt-BR" smtClean="0"/>
               <a:pPr/>
-              <a:t>21/01/2012</a:t>
+              <a:t>23/01/2012</a:t>
             </a:fld>
             <a:endParaRPr lang="pt-BR"/>
           </a:p>
@@ -6340,7 +6340,7 @@
     </p:spTree>
     <p:extLst>
       <p:ext uri="{BB962C8B-B14F-4D97-AF65-F5344CB8AC3E}">
-        <p14:creationId xmlns="" xmlns:p14="http://schemas.microsoft.com/office/powerpoint/2010/main" val="3705262111"/>
+        <p14:creationId xmlns:p14="http://schemas.microsoft.com/office/powerpoint/2010/main" xmlns="" val="3705262111"/>
       </p:ext>
     </p:extLst>
   </p:cSld>
@@ -6603,7 +6603,7 @@
             <a:fld id="{C1675C04-B1D7-4314-A174-D1660FB6FF37}" type="datetimeFigureOut">
               <a:rPr lang="pt-BR" smtClean="0"/>
               <a:pPr/>
-              <a:t>21/01/2012</a:t>
+              <a:t>23/01/2012</a:t>
             </a:fld>
             <a:endParaRPr lang="pt-BR"/>
           </a:p>
@@ -6655,7 +6655,7 @@
     </p:spTree>
     <p:extLst>
       <p:ext uri="{BB962C8B-B14F-4D97-AF65-F5344CB8AC3E}">
-        <p14:creationId xmlns="" xmlns:p14="http://schemas.microsoft.com/office/powerpoint/2010/main" val="2189634051"/>
+        <p14:creationId xmlns:p14="http://schemas.microsoft.com/office/powerpoint/2010/main" xmlns="" val="2189634051"/>
       </p:ext>
     </p:extLst>
   </p:cSld>
@@ -6878,7 +6878,7 @@
             <a:fld id="{C1675C04-B1D7-4314-A174-D1660FB6FF37}" type="datetimeFigureOut">
               <a:rPr lang="pt-BR" smtClean="0"/>
               <a:pPr/>
-              <a:t>21/01/2012</a:t>
+              <a:t>23/01/2012</a:t>
             </a:fld>
             <a:endParaRPr lang="pt-BR"/>
           </a:p>
@@ -6930,7 +6930,7 @@
     </p:spTree>
     <p:extLst>
       <p:ext uri="{BB962C8B-B14F-4D97-AF65-F5344CB8AC3E}">
-        <p14:creationId xmlns="" xmlns:p14="http://schemas.microsoft.com/office/powerpoint/2010/main" val="3848481695"/>
+        <p14:creationId xmlns:p14="http://schemas.microsoft.com/office/powerpoint/2010/main" xmlns="" val="3848481695"/>
       </p:ext>
     </p:extLst>
   </p:cSld>
@@ -7094,7 +7094,7 @@
             <a:fld id="{C1675C04-B1D7-4314-A174-D1660FB6FF37}" type="datetimeFigureOut">
               <a:rPr lang="pt-BR" smtClean="0"/>
               <a:pPr/>
-              <a:t>21/01/2012</a:t>
+              <a:t>23/01/2012</a:t>
             </a:fld>
             <a:endParaRPr lang="pt-BR"/>
           </a:p>
@@ -7208,7 +7208,7 @@
     </p:spTree>
     <p:extLst>
       <p:ext uri="{BB962C8B-B14F-4D97-AF65-F5344CB8AC3E}">
-        <p14:creationId xmlns="" xmlns:p14="http://schemas.microsoft.com/office/powerpoint/2010/main" val="2257276274"/>
+        <p14:creationId xmlns:p14="http://schemas.microsoft.com/office/powerpoint/2010/main" xmlns="" val="2257276274"/>
       </p:ext>
     </p:extLst>
   </p:cSld>
@@ -7517,7 +7517,7 @@
           <a:blip r:embed="rId3" cstate="print">
             <a:extLst>
               <a:ext uri="{28A0092B-C50C-407E-A947-70E740481C1C}">
-                <a14:useLocalDpi xmlns="" xmlns:a14="http://schemas.microsoft.com/office/drawing/2010/main" val="0"/>
+                <a14:useLocalDpi xmlns:a14="http://schemas.microsoft.com/office/drawing/2010/main" xmlns="" val="0"/>
               </a:ext>
             </a:extLst>
           </a:blip>
@@ -7541,14 +7541,14 @@
           <a:effectLst/>
           <a:extLst>
             <a:ext uri="{909E8E84-426E-40DD-AFC4-6F175D3DCCD1}">
-              <a14:hiddenFill xmlns="" xmlns:a14="http://schemas.microsoft.com/office/drawing/2010/main">
+              <a14:hiddenFill xmlns:a14="http://schemas.microsoft.com/office/drawing/2010/main" xmlns="">
                 <a:solidFill>
                   <a:schemeClr val="accent1"/>
                 </a:solidFill>
               </a14:hiddenFill>
             </a:ext>
             <a:ext uri="{91240B29-F687-4F45-9708-019B960494DF}">
-              <a14:hiddenLine xmlns="" xmlns:a14="http://schemas.microsoft.com/office/drawing/2010/main" w="9525">
+              <a14:hiddenLine xmlns:a14="http://schemas.microsoft.com/office/drawing/2010/main" xmlns="" w="9525">
                 <a:solidFill>
                   <a:schemeClr val="tx1"/>
                 </a:solidFill>
@@ -7558,7 +7558,7 @@
               </a14:hiddenLine>
             </a:ext>
             <a:ext uri="{AF507438-7753-43E0-B8FC-AC1667EBCBE1}">
-              <a14:hiddenEffects xmlns="" xmlns:a14="http://schemas.microsoft.com/office/drawing/2010/main">
+              <a14:hiddenEffects xmlns:a14="http://schemas.microsoft.com/office/drawing/2010/main" xmlns="">
                 <a:effectLst>
                   <a:outerShdw dist="35921" dir="2700000" algn="ctr" rotWithShape="0">
                     <a:schemeClr val="bg2"/>
@@ -7639,7 +7639,7 @@
     </p:spTree>
     <p:extLst>
       <p:ext uri="{BB962C8B-B14F-4D97-AF65-F5344CB8AC3E}">
-        <p14:creationId xmlns="" xmlns:p14="http://schemas.microsoft.com/office/powerpoint/2010/main" val="164985714"/>
+        <p14:creationId xmlns:p14="http://schemas.microsoft.com/office/powerpoint/2010/main" xmlns="" val="164985714"/>
       </p:ext>
     </p:extLst>
   </p:cSld>
@@ -7880,11 +7880,7 @@
           <a:p>
             <a:r>
               <a:rPr lang="pt-BR" dirty="0" smtClean="0"/>
-              <a:t>Regra </a:t>
-            </a:r>
-            <a:r>
-              <a:rPr lang="pt-BR" dirty="0" smtClean="0"/>
-              <a:t>simplificada de polimorfismo e </a:t>
+              <a:t>Regra simplificada de polimorfismo e </a:t>
             </a:r>
             <a:r>
               <a:rPr lang="pt-BR" dirty="0" err="1" smtClean="0"/>
@@ -7900,6 +7896,13 @@
     <a:masterClrMapping/>
   </p:clrMapOvr>
   <p:transition spd="slow"/>
+  <p:timing>
+    <p:tnLst>
+      <p:par>
+        <p:cTn id="1" dur="indefinite" restart="never" nodeType="tmRoot"/>
+      </p:par>
+    </p:tnLst>
+  </p:timing>
 </p:sld>
 </file>
 
@@ -8080,14 +8083,7 @@
                 <a:latin typeface="Consolas" pitchFamily="49" charset="0"/>
                 <a:cs typeface="Consolas" pitchFamily="49" charset="0"/>
               </a:rPr>
-              <a:t>	</a:t>
-            </a:r>
-            <a:r>
-              <a:rPr lang="en-US" sz="1600" dirty="0" smtClean="0">
-                <a:latin typeface="Consolas" pitchFamily="49" charset="0"/>
-                <a:cs typeface="Consolas" pitchFamily="49" charset="0"/>
-              </a:rPr>
-              <a:t>}</a:t>
+              <a:t>	}</a:t>
             </a:r>
           </a:p>
           <a:p>
@@ -8208,14 +8204,7 @@
                 <a:latin typeface="Consolas" pitchFamily="49" charset="0"/>
                 <a:cs typeface="Consolas" pitchFamily="49" charset="0"/>
               </a:rPr>
-              <a:t>(dogs</a:t>
-            </a:r>
-            <a:r>
-              <a:rPr lang="en-US" sz="1600" dirty="0" smtClean="0">
-                <a:latin typeface="Consolas" pitchFamily="49" charset="0"/>
-                <a:cs typeface="Consolas" pitchFamily="49" charset="0"/>
-              </a:rPr>
-              <a:t>); // pass the Dog[]</a:t>
+              <a:t>(dogs); // pass the Dog[]</a:t>
             </a:r>
           </a:p>
           <a:p>
@@ -8241,14 +8230,7 @@
                 <a:latin typeface="Consolas" pitchFamily="49" charset="0"/>
                 <a:cs typeface="Consolas" pitchFamily="49" charset="0"/>
               </a:rPr>
-              <a:t>(cats</a:t>
-            </a:r>
-            <a:r>
-              <a:rPr lang="en-US" sz="1600" dirty="0" smtClean="0">
-                <a:latin typeface="Consolas" pitchFamily="49" charset="0"/>
-                <a:cs typeface="Consolas" pitchFamily="49" charset="0"/>
-              </a:rPr>
-              <a:t>); // pass the Cat[]</a:t>
+              <a:t>(cats); // pass the Cat[]</a:t>
             </a:r>
           </a:p>
           <a:p>
@@ -8274,14 +8256,7 @@
                 <a:latin typeface="Consolas" pitchFamily="49" charset="0"/>
                 <a:cs typeface="Consolas" pitchFamily="49" charset="0"/>
               </a:rPr>
-              <a:t>(birds</a:t>
-            </a:r>
-            <a:r>
-              <a:rPr lang="en-US" sz="1600" dirty="0" smtClean="0">
-                <a:latin typeface="Consolas" pitchFamily="49" charset="0"/>
-                <a:cs typeface="Consolas" pitchFamily="49" charset="0"/>
-              </a:rPr>
-              <a:t>); // pass the Bird[]</a:t>
+              <a:t>(birds); // pass the Bird[]</a:t>
             </a:r>
           </a:p>
           <a:p>
@@ -8308,6 +8283,13 @@
     <a:masterClrMapping/>
   </p:clrMapOvr>
   <p:transition spd="slow"/>
+  <p:timing>
+    <p:tnLst>
+      <p:par>
+        <p:cTn id="1" dur="indefinite" restart="never" nodeType="tmRoot"/>
+      </p:par>
+    </p:tnLst>
+  </p:timing>
 </p:sld>
 </file>
 
@@ -8434,14 +8416,7 @@
                 <a:latin typeface="Consolas" pitchFamily="49" charset="0"/>
                 <a:cs typeface="Consolas" pitchFamily="49" charset="0"/>
               </a:rPr>
-              <a:t>(List&lt;Animal</a:t>
-            </a:r>
-            <a:r>
-              <a:rPr lang="en-US" sz="1600" dirty="0" smtClean="0">
-                <a:latin typeface="Consolas" pitchFamily="49" charset="0"/>
-                <a:cs typeface="Consolas" pitchFamily="49" charset="0"/>
-              </a:rPr>
-              <a:t>&gt; animals) {</a:t>
+              <a:t>(List&lt;Animal&gt; animals) {</a:t>
             </a:r>
           </a:p>
           <a:p>
@@ -8619,14 +8594,7 @@
                 <a:latin typeface="Consolas" pitchFamily="49" charset="0"/>
                 <a:cs typeface="Consolas" pitchFamily="49" charset="0"/>
               </a:rPr>
-              <a:t>&lt;Bird</a:t>
-            </a:r>
-            <a:r>
-              <a:rPr lang="en-US" sz="1600" dirty="0" smtClean="0">
-                <a:latin typeface="Consolas" pitchFamily="49" charset="0"/>
-                <a:cs typeface="Consolas" pitchFamily="49" charset="0"/>
-              </a:rPr>
-              <a:t>&gt;();</a:t>
+              <a:t>&lt;Bird&gt;();</a:t>
             </a:r>
           </a:p>
           <a:p>
@@ -8740,6 +8708,13 @@
     <a:masterClrMapping/>
   </p:clrMapOvr>
   <p:transition spd="slow"/>
+  <p:timing>
+    <p:tnLst>
+      <p:par>
+        <p:cTn id="1" dur="indefinite" restart="never" nodeType="tmRoot"/>
+      </p:par>
+    </p:tnLst>
+  </p:timing>
 </p:sld>
 </file>
 
@@ -8820,6 +8795,13 @@
     <a:masterClrMapping/>
   </p:clrMapOvr>
   <p:transition spd="slow"/>
+  <p:timing>
+    <p:tnLst>
+      <p:par>
+        <p:cTn id="1" dur="indefinite" restart="never" nodeType="tmRoot"/>
+      </p:par>
+    </p:tnLst>
+  </p:timing>
 </p:sld>
 </file>
 
@@ -9067,6 +9049,13 @@
     <a:masterClrMapping/>
   </p:clrMapOvr>
   <p:transition spd="slow"/>
+  <p:timing>
+    <p:tnLst>
+      <p:par>
+        <p:cTn id="1" dur="indefinite" restart="never" nodeType="tmRoot"/>
+      </p:par>
+    </p:tnLst>
+  </p:timing>
 </p:sld>
 </file>
 
@@ -9342,6 +9331,13 @@
     <a:masterClrMapping/>
   </p:clrMapOvr>
   <p:transition spd="slow"/>
+  <p:timing>
+    <p:tnLst>
+      <p:par>
+        <p:cTn id="1" dur="indefinite" restart="never" nodeType="tmRoot"/>
+      </p:par>
+    </p:tnLst>
+  </p:timing>
 </p:sld>
 </file>
 
@@ -9440,6 +9436,13 @@
     <a:masterClrMapping/>
   </p:clrMapOvr>
   <p:transition spd="slow"/>
+  <p:timing>
+    <p:tnLst>
+      <p:par>
+        <p:cTn id="1" dur="indefinite" restart="never" nodeType="tmRoot"/>
+      </p:par>
+    </p:tnLst>
+  </p:timing>
 </p:sld>
 </file>
 
@@ -9534,6 +9537,13 @@
     <a:masterClrMapping/>
   </p:clrMapOvr>
   <p:transition spd="slow"/>
+  <p:timing>
+    <p:tnLst>
+      <p:par>
+        <p:cTn id="1" dur="indefinite" restart="never" nodeType="tmRoot"/>
+      </p:par>
+    </p:tnLst>
+  </p:timing>
 </p:sld>
 </file>
 
@@ -9883,6 +9893,13 @@
     <a:masterClrMapping/>
   </p:clrMapOvr>
   <p:transition spd="slow"/>
+  <p:timing>
+    <p:tnLst>
+      <p:par>
+        <p:cTn id="1" dur="indefinite" restart="never" nodeType="tmRoot"/>
+      </p:par>
+    </p:tnLst>
+  </p:timing>
 </p:sld>
 </file>
 
@@ -10045,14 +10062,7 @@
                 <a:latin typeface="Consolas" pitchFamily="49" charset="0"/>
                 <a:cs typeface="Consolas" pitchFamily="49" charset="0"/>
               </a:rPr>
-              <a:t>Compiled </a:t>
-            </a:r>
-            <a:r>
-              <a:rPr lang="en-US" sz="1600" dirty="0" smtClean="0">
-                <a:latin typeface="Consolas" pitchFamily="49" charset="0"/>
-                <a:cs typeface="Consolas" pitchFamily="49" charset="0"/>
-              </a:rPr>
-              <a:t>from "GenericsTests.java"</a:t>
+              <a:t>Compiled from "GenericsTests.java"</a:t>
             </a:r>
           </a:p>
           <a:p>
@@ -10183,6 +10193,13 @@
     <a:masterClrMapping/>
   </p:clrMapOvr>
   <p:transition spd="slow"/>
+  <p:timing>
+    <p:tnLst>
+      <p:par>
+        <p:cTn id="1" dur="indefinite" restart="never" nodeType="tmRoot"/>
+      </p:par>
+    </p:tnLst>
+  </p:timing>
 </p:sld>
 </file>
 
@@ -10469,6 +10486,13 @@
     <a:masterClrMapping/>
   </p:clrMapOvr>
   <p:transition spd="slow"/>
+  <p:timing>
+    <p:tnLst>
+      <p:par>
+        <p:cTn id="1" dur="indefinite" restart="never" nodeType="tmRoot"/>
+      </p:par>
+    </p:tnLst>
+  </p:timing>
 </p:sld>
 </file>
 
@@ -10506,11 +10530,7 @@
           <a:p>
             <a:r>
               <a:rPr lang="pt-BR" dirty="0" smtClean="0"/>
-              <a:t>Os </a:t>
-            </a:r>
-            <a:r>
-              <a:rPr lang="pt-BR" dirty="0" smtClean="0"/>
-              <a:t>tipos parametrizados só funcionam em compilação, em execução é com se nada tivesse acontecido</a:t>
+              <a:t>Os tipos parametrizados só funcionam em compilação, em execução é com se nada tivesse acontecido</a:t>
             </a:r>
           </a:p>
           <a:p>
@@ -10588,6 +10608,13 @@
     <a:masterClrMapping/>
   </p:clrMapOvr>
   <p:transition spd="slow"/>
+  <p:timing>
+    <p:tnLst>
+      <p:par>
+        <p:cTn id="1" dur="indefinite" restart="never" nodeType="tmRoot"/>
+      </p:par>
+    </p:tnLst>
+  </p:timing>
 </p:sld>
 </file>
 
@@ -10708,6 +10735,13 @@
     <a:masterClrMapping/>
   </p:clrMapOvr>
   <p:transition spd="slow"/>
+  <p:timing>
+    <p:tnLst>
+      <p:par>
+        <p:cTn id="1" dur="indefinite" restart="never" nodeType="tmRoot"/>
+      </p:par>
+    </p:tnLst>
+  </p:timing>
 </p:sld>
 </file>
 
@@ -10924,6 +10958,13 @@
     <a:masterClrMapping/>
   </p:clrMapOvr>
   <p:transition spd="slow"/>
+  <p:timing>
+    <p:tnLst>
+      <p:par>
+        <p:cTn id="1" dur="indefinite" restart="never" nodeType="tmRoot"/>
+      </p:par>
+    </p:tnLst>
+  </p:timing>
 </p:sld>
 </file>
 
@@ -11070,6 +11111,13 @@
     <a:masterClrMapping/>
   </p:clrMapOvr>
   <p:transition spd="slow"/>
+  <p:timing>
+    <p:tnLst>
+      <p:par>
+        <p:cTn id="1" dur="indefinite" restart="never" nodeType="tmRoot"/>
+      </p:par>
+    </p:tnLst>
+  </p:timing>
 </p:sld>
 </file>
 
@@ -11154,11 +11202,19 @@
             </a:r>
             <a:r>
               <a:rPr lang="pt-BR" dirty="0" err="1" smtClean="0"/>
-              <a:t>Extends</a:t>
-            </a:r>
-            <a:r>
-              <a:rPr lang="pt-BR" dirty="0" smtClean="0"/>
-              <a:t> Animal&gt; </a:t>
+              <a:t>e</a:t>
+            </a:r>
+            <a:r>
+              <a:rPr lang="pt-BR" dirty="0" err="1" smtClean="0"/>
+              <a:t>xtends</a:t>
+            </a:r>
+            <a:r>
+              <a:rPr lang="pt-BR" dirty="0" smtClean="0"/>
+              <a:t> </a:t>
+            </a:r>
+            <a:r>
+              <a:rPr lang="pt-BR" dirty="0" smtClean="0"/>
+              <a:t>Animal&gt; </a:t>
             </a:r>
             <a:r>
               <a:rPr lang="pt-BR" dirty="0" err="1" smtClean="0"/>
@@ -11218,7 +11274,6 @@
               <a:rPr lang="pt-BR" dirty="0" smtClean="0"/>
               <a:t>}</a:t>
             </a:r>
-            <a:endParaRPr lang="pt-BR" dirty="0" smtClean="0"/>
           </a:p>
         </p:txBody>
       </p:sp>
@@ -11273,6 +11328,13 @@
     <a:masterClrMapping/>
   </p:clrMapOvr>
   <p:transition spd="slow"/>
+  <p:timing>
+    <p:tnLst>
+      <p:par>
+        <p:cTn id="1" dur="indefinite" restart="never" nodeType="tmRoot"/>
+      </p:par>
+    </p:tnLst>
+  </p:timing>
 </p:sld>
 </file>
 
@@ -11417,7 +11479,6 @@
               <a:rPr lang="pt-BR" dirty="0" smtClean="0"/>
               <a:t>}</a:t>
             </a:r>
-            <a:endParaRPr lang="pt-BR" dirty="0" smtClean="0"/>
           </a:p>
           <a:p>
             <a:endParaRPr lang="pt-BR" dirty="0"/>
@@ -11462,6 +11523,13 @@
     <a:masterClrMapping/>
   </p:clrMapOvr>
   <p:transition spd="slow"/>
+  <p:timing>
+    <p:tnLst>
+      <p:par>
+        <p:cTn id="1" dur="indefinite" restart="never" nodeType="tmRoot"/>
+      </p:par>
+    </p:tnLst>
+  </p:timing>
 </p:sld>
 </file>
 
@@ -11509,11 +11577,7 @@
             </a:r>
             <a:r>
               <a:rPr lang="pt-BR" dirty="0" smtClean="0"/>
-              <a:t> ou algum supertipo </a:t>
-            </a:r>
-            <a:r>
-              <a:rPr lang="pt-BR" dirty="0" smtClean="0"/>
-              <a:t>dele</a:t>
+              <a:t> ou algum supertipo dele</a:t>
             </a:r>
           </a:p>
           <a:p>
@@ -11532,8 +11596,16 @@
           </a:p>
           <a:p>
             <a:r>
-              <a:rPr lang="pt-BR" dirty="0" smtClean="0"/>
-              <a:t>Isso é se explica porque qualquer lista que seja do tipo Animal ou </a:t>
+              <a:rPr lang="pt-BR" smtClean="0"/>
+              <a:t>Isso </a:t>
+            </a:r>
+            <a:r>
+              <a:rPr lang="pt-BR" smtClean="0"/>
+              <a:t>se </a:t>
+            </a:r>
+            <a:r>
+              <a:rPr lang="pt-BR" dirty="0" smtClean="0"/>
+              <a:t>explica porque qualquer lista que seja do tipo Animal ou </a:t>
             </a:r>
             <a:r>
               <a:rPr lang="pt-BR" dirty="0" err="1" smtClean="0"/>
@@ -11597,6 +11669,13 @@
     <a:masterClrMapping/>
   </p:clrMapOvr>
   <p:transition spd="slow"/>
+  <p:timing>
+    <p:tnLst>
+      <p:par>
+        <p:cTn id="1" dur="indefinite" restart="never" nodeType="tmRoot"/>
+      </p:par>
+    </p:tnLst>
+  </p:timing>
 </p:sld>
 </file>
 
@@ -11798,28 +11877,7 @@
                 <a:latin typeface="Consolas" pitchFamily="49" charset="0"/>
                 <a:cs typeface="Consolas" pitchFamily="49" charset="0"/>
               </a:rPr>
-              <a:t>	List&lt;Animal&gt; </a:t>
-            </a:r>
-            <a:r>
-              <a:rPr lang="en-US" sz="1600" dirty="0" smtClean="0">
-                <a:latin typeface="Consolas" pitchFamily="49" charset="0"/>
-                <a:cs typeface="Consolas" pitchFamily="49" charset="0"/>
-              </a:rPr>
-              <a:t>animals1 </a:t>
-            </a:r>
-            <a:r>
-              <a:rPr lang="en-US" sz="1600" dirty="0" smtClean="0">
-                <a:latin typeface="Consolas" pitchFamily="49" charset="0"/>
-                <a:cs typeface="Consolas" pitchFamily="49" charset="0"/>
-              </a:rPr>
-              <a:t>= </a:t>
-            </a:r>
-            <a:r>
-              <a:rPr lang="en-US" sz="1600" dirty="0" smtClean="0">
-                <a:latin typeface="Consolas" pitchFamily="49" charset="0"/>
-                <a:cs typeface="Consolas" pitchFamily="49" charset="0"/>
-              </a:rPr>
-              <a:t>new </a:t>
+              <a:t>	List&lt;Animal&gt; animals1 = new </a:t>
             </a:r>
             <a:r>
               <a:rPr lang="en-US" sz="1600" dirty="0" err="1" smtClean="0">
@@ -11842,21 +11900,7 @@
                 <a:latin typeface="Consolas" pitchFamily="49" charset="0"/>
                 <a:cs typeface="Consolas" pitchFamily="49" charset="0"/>
               </a:rPr>
-              <a:t>	</a:t>
-            </a:r>
-            <a:r>
-              <a:rPr lang="en-US" sz="1600" dirty="0" smtClean="0">
-                <a:latin typeface="Consolas" pitchFamily="49" charset="0"/>
-                <a:cs typeface="Consolas" pitchFamily="49" charset="0"/>
-              </a:rPr>
-              <a:t>animals1.add(new </a:t>
-            </a:r>
-            <a:r>
-              <a:rPr lang="en-US" sz="1600" dirty="0" smtClean="0">
-                <a:latin typeface="Consolas" pitchFamily="49" charset="0"/>
-                <a:cs typeface="Consolas" pitchFamily="49" charset="0"/>
-              </a:rPr>
-              <a:t>Dog());</a:t>
+              <a:t>	animals1.add(new Dog());</a:t>
             </a:r>
           </a:p>
           <a:p>
@@ -11874,14 +11918,7 @@
                 <a:latin typeface="Consolas" pitchFamily="49" charset="0"/>
                 <a:cs typeface="Consolas" pitchFamily="49" charset="0"/>
               </a:rPr>
-              <a:t>	List&lt;Object&gt; animals2 </a:t>
-            </a:r>
-            <a:r>
-              <a:rPr lang="en-US" sz="1600" dirty="0" smtClean="0">
-                <a:latin typeface="Consolas" pitchFamily="49" charset="0"/>
-                <a:cs typeface="Consolas" pitchFamily="49" charset="0"/>
-              </a:rPr>
-              <a:t>= new </a:t>
+              <a:t>	List&lt;Object&gt; animals2 = new </a:t>
             </a:r>
             <a:r>
               <a:rPr lang="en-US" sz="1600" dirty="0" err="1" smtClean="0">
@@ -11904,41 +11941,16 @@
                 <a:latin typeface="Consolas" pitchFamily="49" charset="0"/>
                 <a:cs typeface="Consolas" pitchFamily="49" charset="0"/>
               </a:rPr>
-              <a:t>	</a:t>
-            </a:r>
-            <a:r>
-              <a:rPr lang="en-US" sz="1600" dirty="0" smtClean="0">
-                <a:latin typeface="Consolas" pitchFamily="49" charset="0"/>
-                <a:cs typeface="Consolas" pitchFamily="49" charset="0"/>
-              </a:rPr>
-              <a:t>animals2.add(new </a:t>
-            </a:r>
-            <a:r>
-              <a:rPr lang="en-US" sz="1600" dirty="0" smtClean="0">
-                <a:latin typeface="Consolas" pitchFamily="49" charset="0"/>
-                <a:cs typeface="Consolas" pitchFamily="49" charset="0"/>
-              </a:rPr>
-              <a:t>Dog</a:t>
-            </a:r>
-            <a:r>
-              <a:rPr lang="en-US" sz="1600" dirty="0" smtClean="0">
-                <a:latin typeface="Consolas" pitchFamily="49" charset="0"/>
-                <a:cs typeface="Consolas" pitchFamily="49" charset="0"/>
-              </a:rPr>
-              <a:t>());</a:t>
-            </a:r>
+              <a:t>	animals2.add(new Dog());</a:t>
+            </a:r>
+          </a:p>
+          <a:p>
             <a:endParaRPr lang="en-US" sz="1600" dirty="0" smtClean="0">
               <a:latin typeface="Consolas" pitchFamily="49" charset="0"/>
               <a:cs typeface="Consolas" pitchFamily="49" charset="0"/>
             </a:endParaRPr>
           </a:p>
           <a:p>
-            <a:endParaRPr lang="en-US" sz="1600" dirty="0" smtClean="0">
-              <a:latin typeface="Consolas" pitchFamily="49" charset="0"/>
-              <a:cs typeface="Consolas" pitchFamily="49" charset="0"/>
-            </a:endParaRPr>
-          </a:p>
-          <a:p>
             <a:pPr>
               <a:buNone/>
             </a:pPr>
@@ -11986,10 +11998,6 @@
               </a:rPr>
               <a:t>(animals2);</a:t>
             </a:r>
-            <a:endParaRPr lang="en-US" sz="1600" dirty="0" smtClean="0">
-              <a:latin typeface="Consolas" pitchFamily="49" charset="0"/>
-              <a:cs typeface="Consolas" pitchFamily="49" charset="0"/>
-            </a:endParaRPr>
           </a:p>
           <a:p>
             <a:pPr>
@@ -12024,6 +12032,13 @@
     <a:masterClrMapping/>
   </p:clrMapOvr>
   <p:transition spd="slow"/>
+  <p:timing>
+    <p:tnLst>
+      <p:par>
+        <p:cTn id="1" dur="indefinite" restart="never" nodeType="tmRoot"/>
+      </p:par>
+    </p:tnLst>
+  </p:timing>
 </p:sld>
 </file>
 
@@ -12184,14 +12199,7 @@
                 <a:latin typeface="Consolas" pitchFamily="49" charset="0"/>
                 <a:cs typeface="Consolas" pitchFamily="49" charset="0"/>
               </a:rPr>
-              <a:t>(List&lt;Object&gt; list) { </a:t>
-            </a:r>
-            <a:r>
-              <a:rPr lang="en-US" dirty="0" smtClean="0">
-                <a:latin typeface="Consolas" pitchFamily="49" charset="0"/>
-                <a:cs typeface="Consolas" pitchFamily="49" charset="0"/>
-              </a:rPr>
-              <a:t>}</a:t>
+              <a:t>(List&lt;Object&gt; list) { }</a:t>
             </a:r>
           </a:p>
           <a:p>
@@ -12281,7 +12289,6 @@
               <a:rPr lang="pt-BR" dirty="0" smtClean="0"/>
               <a:t>) { }</a:t>
             </a:r>
-            <a:endParaRPr lang="pt-BR" dirty="0" smtClean="0"/>
           </a:p>
           <a:p>
             <a:endParaRPr lang="pt-BR" dirty="0" smtClean="0"/>
@@ -12703,6 +12710,13 @@
     <a:masterClrMapping/>
   </p:clrMapOvr>
   <p:transition spd="slow"/>
+  <p:timing>
+    <p:tnLst>
+      <p:par>
+        <p:cTn id="1" dur="indefinite" restart="never" nodeType="tmRoot"/>
+      </p:par>
+    </p:tnLst>
+  </p:timing>
 </p:sld>
 </file>
 
@@ -12781,7 +12795,6 @@
               <a:rPr lang="pt-BR" dirty="0" smtClean="0"/>
               <a:t>) { }</a:t>
             </a:r>
-            <a:endParaRPr lang="pt-BR" dirty="0" smtClean="0"/>
           </a:p>
           <a:p>
             <a:endParaRPr lang="pt-BR" dirty="0" smtClean="0"/>
@@ -12797,11 +12810,7 @@
             </a:r>
             <a:r>
               <a:rPr lang="pt-BR" dirty="0" smtClean="0"/>
-              <a:t> </a:t>
-            </a:r>
-            <a:r>
-              <a:rPr lang="pt-BR" dirty="0" smtClean="0"/>
-              <a:t>e nada mais, nem um subtipo é aceito</a:t>
+              <a:t> e nada mais, nem um subtipo é aceito</a:t>
             </a:r>
           </a:p>
           <a:p>
@@ -12985,14 +12994,7 @@
                 <a:latin typeface="Consolas" pitchFamily="49" charset="0"/>
                 <a:cs typeface="Consolas" pitchFamily="49" charset="0"/>
               </a:rPr>
-              <a:t>2</a:t>
-            </a:r>
-            <a:r>
-              <a:rPr lang="en-US" sz="1600" dirty="0" smtClean="0">
-                <a:latin typeface="Consolas" pitchFamily="49" charset="0"/>
-                <a:cs typeface="Consolas" pitchFamily="49" charset="0"/>
-              </a:rPr>
-              <a:t>) List&lt;? extends Animal&gt; </a:t>
+              <a:t>2) List&lt;? extends Animal&gt; </a:t>
             </a:r>
             <a:r>
               <a:rPr lang="en-US" sz="1600" dirty="0" err="1" smtClean="0">
@@ -13041,14 +13043,7 @@
                 <a:latin typeface="Consolas" pitchFamily="49" charset="0"/>
                 <a:cs typeface="Consolas" pitchFamily="49" charset="0"/>
               </a:rPr>
-              <a:t>3</a:t>
-            </a:r>
-            <a:r>
-              <a:rPr lang="en-US" sz="1600" dirty="0" smtClean="0">
-                <a:latin typeface="Consolas" pitchFamily="49" charset="0"/>
-                <a:cs typeface="Consolas" pitchFamily="49" charset="0"/>
-              </a:rPr>
-              <a:t>) List&lt;?&gt; </a:t>
+              <a:t>3) List&lt;?&gt; </a:t>
             </a:r>
             <a:r>
               <a:rPr lang="en-US" sz="1600" dirty="0" err="1" smtClean="0">
@@ -13097,14 +13092,7 @@
                 <a:latin typeface="Consolas" pitchFamily="49" charset="0"/>
                 <a:cs typeface="Consolas" pitchFamily="49" charset="0"/>
               </a:rPr>
-              <a:t>4</a:t>
-            </a:r>
-            <a:r>
-              <a:rPr lang="en-US" sz="1600" dirty="0" smtClean="0">
-                <a:latin typeface="Consolas" pitchFamily="49" charset="0"/>
-                <a:cs typeface="Consolas" pitchFamily="49" charset="0"/>
-              </a:rPr>
-              <a:t>) List&lt;? extends Dog&gt; </a:t>
+              <a:t>4) List&lt;? extends Dog&gt; </a:t>
             </a:r>
             <a:r>
               <a:rPr lang="en-US" sz="1600" dirty="0" err="1" smtClean="0">
@@ -13153,14 +13141,7 @@
                 <a:latin typeface="Consolas" pitchFamily="49" charset="0"/>
                 <a:cs typeface="Consolas" pitchFamily="49" charset="0"/>
               </a:rPr>
-              <a:t>5</a:t>
-            </a:r>
-            <a:r>
-              <a:rPr lang="en-US" sz="1600" dirty="0" smtClean="0">
-                <a:latin typeface="Consolas" pitchFamily="49" charset="0"/>
-                <a:cs typeface="Consolas" pitchFamily="49" charset="0"/>
-              </a:rPr>
-              <a:t>) List&lt;? super Dog&gt; </a:t>
+              <a:t>5) List&lt;? super Dog&gt; </a:t>
             </a:r>
             <a:r>
               <a:rPr lang="en-US" sz="1600" dirty="0" err="1" smtClean="0">
@@ -13188,14 +13169,7 @@
                 <a:latin typeface="Consolas" pitchFamily="49" charset="0"/>
                 <a:cs typeface="Consolas" pitchFamily="49" charset="0"/>
               </a:rPr>
-              <a:t>&lt;Animal</a:t>
-            </a:r>
-            <a:r>
-              <a:rPr lang="en-US" sz="1600" dirty="0" smtClean="0">
-                <a:latin typeface="Consolas" pitchFamily="49" charset="0"/>
-                <a:cs typeface="Consolas" pitchFamily="49" charset="0"/>
-              </a:rPr>
-              <a:t>&gt;();</a:t>
+              <a:t>&lt;Animal&gt;();</a:t>
             </a:r>
           </a:p>
           <a:p>
@@ -13927,33 +13901,19 @@
                 <a:latin typeface="Consolas" pitchFamily="49" charset="0"/>
                 <a:cs typeface="Consolas" pitchFamily="49" charset="0"/>
               </a:rPr>
-              <a:t>	</a:t>
-            </a:r>
-            <a:r>
-              <a:rPr lang="en-US" sz="1600" dirty="0" smtClean="0">
-                <a:latin typeface="Consolas" pitchFamily="49" charset="0"/>
-                <a:cs typeface="Consolas" pitchFamily="49" charset="0"/>
-              </a:rPr>
-              <a:t>}</a:t>
-            </a:r>
-          </a:p>
-          <a:p>
-            <a:pPr>
-              <a:buNone/>
-            </a:pPr>
-            <a:r>
-              <a:rPr lang="en-US" sz="1600" dirty="0" smtClean="0">
-                <a:latin typeface="Consolas" pitchFamily="49" charset="0"/>
-                <a:cs typeface="Consolas" pitchFamily="49" charset="0"/>
-              </a:rPr>
-              <a:t>	public </a:t>
-            </a:r>
-            <a:r>
-              <a:rPr lang="en-US" sz="1600" dirty="0" smtClean="0">
-                <a:latin typeface="Consolas" pitchFamily="49" charset="0"/>
-                <a:cs typeface="Consolas" pitchFamily="49" charset="0"/>
-              </a:rPr>
-              <a:t>static void main(String[] </a:t>
+              <a:t>	}</a:t>
+            </a:r>
+          </a:p>
+          <a:p>
+            <a:pPr>
+              <a:buNone/>
+            </a:pPr>
+            <a:r>
+              <a:rPr lang="en-US" sz="1600" dirty="0" smtClean="0">
+                <a:latin typeface="Consolas" pitchFamily="49" charset="0"/>
+                <a:cs typeface="Consolas" pitchFamily="49" charset="0"/>
+              </a:rPr>
+              <a:t>	public static void main(String[] </a:t>
             </a:r>
             <a:r>
               <a:rPr lang="en-US" sz="1600" dirty="0" err="1" smtClean="0">
@@ -13979,35 +13939,7 @@
                 <a:latin typeface="Consolas" pitchFamily="49" charset="0"/>
                 <a:cs typeface="Consolas" pitchFamily="49" charset="0"/>
               </a:rPr>
-              <a:t>		Bucket&lt;Integer&gt; b = </a:t>
-            </a:r>
-            <a:r>
-              <a:rPr lang="en-US" sz="1600" dirty="0" smtClean="0">
-                <a:latin typeface="Consolas" pitchFamily="49" charset="0"/>
-                <a:cs typeface="Consolas" pitchFamily="49" charset="0"/>
-              </a:rPr>
-              <a:t>new </a:t>
-            </a:r>
-            <a:r>
-              <a:rPr lang="en-US" sz="1600" dirty="0" smtClean="0">
-                <a:latin typeface="Consolas" pitchFamily="49" charset="0"/>
-                <a:cs typeface="Consolas" pitchFamily="49" charset="0"/>
-              </a:rPr>
-              <a:t>Bucket&lt;Integer&gt;(new </a:t>
-            </a:r>
-            <a:r>
-              <a:rPr lang="en-US" sz="1600" dirty="0" smtClean="0">
-                <a:latin typeface="Consolas" pitchFamily="49" charset="0"/>
-                <a:cs typeface="Consolas" pitchFamily="49" charset="0"/>
-              </a:rPr>
-              <a:t>Integer[4</a:t>
-            </a:r>
-            <a:r>
-              <a:rPr lang="en-US" sz="1600" dirty="0" smtClean="0">
-                <a:latin typeface="Consolas" pitchFamily="49" charset="0"/>
-                <a:cs typeface="Consolas" pitchFamily="49" charset="0"/>
-              </a:rPr>
-              <a:t>]);</a:t>
+              <a:t>		Bucket&lt;Integer&gt; b = new Bucket&lt;Integer&gt;(new Integer[4]);</a:t>
             </a:r>
           </a:p>
           <a:p>
@@ -14343,14 +14275,286 @@
                 <a:latin typeface="Consolas" pitchFamily="49" charset="0"/>
                 <a:cs typeface="Consolas" pitchFamily="49" charset="0"/>
               </a:rPr>
-              <a:t>class </a:t>
-            </a:r>
-            <a:r>
-              <a:rPr lang="en-US" sz="1600" dirty="0" smtClean="0">
-                <a:latin typeface="Consolas" pitchFamily="49" charset="0"/>
-                <a:cs typeface="Consolas" pitchFamily="49" charset="0"/>
-              </a:rPr>
-              <a:t>Bucket&lt;E extends Animal&gt;{</a:t>
+              <a:t>class Bucket&lt;E extends Animal&gt;{</a:t>
+            </a:r>
+          </a:p>
+          <a:p>
+            <a:pPr>
+              <a:buNone/>
+            </a:pPr>
+            <a:r>
+              <a:rPr lang="en-US" sz="1600" dirty="0" smtClean="0">
+                <a:latin typeface="Consolas" pitchFamily="49" charset="0"/>
+                <a:cs typeface="Consolas" pitchFamily="49" charset="0"/>
+              </a:rPr>
+              <a:t>	</a:t>
+            </a:r>
+            <a:r>
+              <a:rPr lang="en-US" sz="1600" dirty="0" err="1" smtClean="0">
+                <a:latin typeface="Consolas" pitchFamily="49" charset="0"/>
+                <a:cs typeface="Consolas" pitchFamily="49" charset="0"/>
+              </a:rPr>
+              <a:t>int</a:t>
+            </a:r>
+            <a:r>
+              <a:rPr lang="en-US" sz="1600" dirty="0" smtClean="0">
+                <a:latin typeface="Consolas" pitchFamily="49" charset="0"/>
+                <a:cs typeface="Consolas" pitchFamily="49" charset="0"/>
+              </a:rPr>
+              <a:t> </a:t>
+            </a:r>
+            <a:r>
+              <a:rPr lang="en-US" sz="1600" dirty="0" err="1" smtClean="0">
+                <a:latin typeface="Consolas" pitchFamily="49" charset="0"/>
+                <a:cs typeface="Consolas" pitchFamily="49" charset="0"/>
+              </a:rPr>
+              <a:t>i</a:t>
+            </a:r>
+            <a:r>
+              <a:rPr lang="en-US" sz="1600" dirty="0" smtClean="0">
+                <a:latin typeface="Consolas" pitchFamily="49" charset="0"/>
+                <a:cs typeface="Consolas" pitchFamily="49" charset="0"/>
+              </a:rPr>
+              <a:t>;</a:t>
+            </a:r>
+          </a:p>
+          <a:p>
+            <a:pPr>
+              <a:buNone/>
+            </a:pPr>
+            <a:r>
+              <a:rPr lang="en-US" sz="1600" dirty="0" smtClean="0">
+                <a:latin typeface="Consolas" pitchFamily="49" charset="0"/>
+                <a:cs typeface="Consolas" pitchFamily="49" charset="0"/>
+              </a:rPr>
+              <a:t>	E[] </a:t>
+            </a:r>
+            <a:r>
+              <a:rPr lang="en-US" sz="1600" dirty="0" err="1" smtClean="0">
+                <a:latin typeface="Consolas" pitchFamily="49" charset="0"/>
+                <a:cs typeface="Consolas" pitchFamily="49" charset="0"/>
+              </a:rPr>
+              <a:t>es</a:t>
+            </a:r>
+            <a:r>
+              <a:rPr lang="en-US" sz="1600" dirty="0" smtClean="0">
+                <a:latin typeface="Consolas" pitchFamily="49" charset="0"/>
+                <a:cs typeface="Consolas" pitchFamily="49" charset="0"/>
+              </a:rPr>
+              <a:t>;</a:t>
+            </a:r>
+          </a:p>
+          <a:p>
+            <a:pPr>
+              <a:buNone/>
+            </a:pPr>
+            <a:r>
+              <a:rPr lang="en-US" sz="1600" dirty="0" smtClean="0">
+                <a:latin typeface="Consolas" pitchFamily="49" charset="0"/>
+                <a:cs typeface="Consolas" pitchFamily="49" charset="0"/>
+              </a:rPr>
+              <a:t>	Bucket(E[] </a:t>
+            </a:r>
+            <a:r>
+              <a:rPr lang="en-US" sz="1600" dirty="0" err="1" smtClean="0">
+                <a:latin typeface="Consolas" pitchFamily="49" charset="0"/>
+                <a:cs typeface="Consolas" pitchFamily="49" charset="0"/>
+              </a:rPr>
+              <a:t>es</a:t>
+            </a:r>
+            <a:r>
+              <a:rPr lang="en-US" sz="1600" dirty="0" smtClean="0">
+                <a:latin typeface="Consolas" pitchFamily="49" charset="0"/>
+                <a:cs typeface="Consolas" pitchFamily="49" charset="0"/>
+              </a:rPr>
+              <a:t>){</a:t>
+            </a:r>
+          </a:p>
+          <a:p>
+            <a:pPr>
+              <a:buNone/>
+            </a:pPr>
+            <a:r>
+              <a:rPr lang="en-US" sz="1600" dirty="0" smtClean="0">
+                <a:latin typeface="Consolas" pitchFamily="49" charset="0"/>
+                <a:cs typeface="Consolas" pitchFamily="49" charset="0"/>
+              </a:rPr>
+              <a:t>		this.es = </a:t>
+            </a:r>
+            <a:r>
+              <a:rPr lang="en-US" sz="1600" dirty="0" err="1" smtClean="0">
+                <a:latin typeface="Consolas" pitchFamily="49" charset="0"/>
+                <a:cs typeface="Consolas" pitchFamily="49" charset="0"/>
+              </a:rPr>
+              <a:t>es</a:t>
+            </a:r>
+            <a:r>
+              <a:rPr lang="en-US" sz="1600" dirty="0" smtClean="0">
+                <a:latin typeface="Consolas" pitchFamily="49" charset="0"/>
+                <a:cs typeface="Consolas" pitchFamily="49" charset="0"/>
+              </a:rPr>
+              <a:t>;</a:t>
+            </a:r>
+          </a:p>
+          <a:p>
+            <a:pPr>
+              <a:buNone/>
+            </a:pPr>
+            <a:r>
+              <a:rPr lang="en-US" sz="1600" dirty="0" smtClean="0">
+                <a:latin typeface="Consolas" pitchFamily="49" charset="0"/>
+                <a:cs typeface="Consolas" pitchFamily="49" charset="0"/>
+              </a:rPr>
+              <a:t>	}</a:t>
+            </a:r>
+          </a:p>
+          <a:p>
+            <a:pPr>
+              <a:buNone/>
+            </a:pPr>
+            <a:r>
+              <a:rPr lang="en-US" sz="1600" dirty="0" smtClean="0">
+                <a:latin typeface="Consolas" pitchFamily="49" charset="0"/>
+                <a:cs typeface="Consolas" pitchFamily="49" charset="0"/>
+              </a:rPr>
+              <a:t>	void add(E </a:t>
+            </a:r>
+            <a:r>
+              <a:rPr lang="en-US" sz="1600" dirty="0" err="1" smtClean="0">
+                <a:latin typeface="Consolas" pitchFamily="49" charset="0"/>
+                <a:cs typeface="Consolas" pitchFamily="49" charset="0"/>
+              </a:rPr>
+              <a:t>e</a:t>
+            </a:r>
+            <a:r>
+              <a:rPr lang="en-US" sz="1600" dirty="0" smtClean="0">
+                <a:latin typeface="Consolas" pitchFamily="49" charset="0"/>
+                <a:cs typeface="Consolas" pitchFamily="49" charset="0"/>
+              </a:rPr>
+              <a:t>){</a:t>
+            </a:r>
+          </a:p>
+          <a:p>
+            <a:pPr>
+              <a:buNone/>
+            </a:pPr>
+            <a:r>
+              <a:rPr lang="en-US" sz="1600" dirty="0" smtClean="0">
+                <a:latin typeface="Consolas" pitchFamily="49" charset="0"/>
+                <a:cs typeface="Consolas" pitchFamily="49" charset="0"/>
+              </a:rPr>
+              <a:t>		</a:t>
+            </a:r>
+            <a:r>
+              <a:rPr lang="en-US" sz="1600" dirty="0" err="1" smtClean="0">
+                <a:latin typeface="Consolas" pitchFamily="49" charset="0"/>
+                <a:cs typeface="Consolas" pitchFamily="49" charset="0"/>
+              </a:rPr>
+              <a:t>es</a:t>
+            </a:r>
+            <a:r>
+              <a:rPr lang="en-US" sz="1600" dirty="0" smtClean="0">
+                <a:latin typeface="Consolas" pitchFamily="49" charset="0"/>
+                <a:cs typeface="Consolas" pitchFamily="49" charset="0"/>
+              </a:rPr>
+              <a:t>[</a:t>
+            </a:r>
+            <a:r>
+              <a:rPr lang="en-US" sz="1600" dirty="0" err="1" smtClean="0">
+                <a:latin typeface="Consolas" pitchFamily="49" charset="0"/>
+                <a:cs typeface="Consolas" pitchFamily="49" charset="0"/>
+              </a:rPr>
+              <a:t>i</a:t>
+            </a:r>
+            <a:r>
+              <a:rPr lang="en-US" sz="1600" dirty="0" smtClean="0">
+                <a:latin typeface="Consolas" pitchFamily="49" charset="0"/>
+                <a:cs typeface="Consolas" pitchFamily="49" charset="0"/>
+              </a:rPr>
+              <a:t>++]=e;</a:t>
+            </a:r>
+          </a:p>
+          <a:p>
+            <a:pPr>
+              <a:buNone/>
+            </a:pPr>
+            <a:r>
+              <a:rPr lang="en-US" sz="1600" dirty="0" smtClean="0">
+                <a:latin typeface="Consolas" pitchFamily="49" charset="0"/>
+                <a:cs typeface="Consolas" pitchFamily="49" charset="0"/>
+              </a:rPr>
+              <a:t>	}</a:t>
+            </a:r>
+          </a:p>
+          <a:p>
+            <a:pPr>
+              <a:buNone/>
+            </a:pPr>
+            <a:r>
+              <a:rPr lang="en-US" sz="1600" dirty="0" smtClean="0">
+                <a:latin typeface="Consolas" pitchFamily="49" charset="0"/>
+                <a:cs typeface="Consolas" pitchFamily="49" charset="0"/>
+              </a:rPr>
+              <a:t>	public static void main(String[] </a:t>
+            </a:r>
+            <a:r>
+              <a:rPr lang="en-US" sz="1600" dirty="0" err="1" smtClean="0">
+                <a:latin typeface="Consolas" pitchFamily="49" charset="0"/>
+                <a:cs typeface="Consolas" pitchFamily="49" charset="0"/>
+              </a:rPr>
+              <a:t>args</a:t>
+            </a:r>
+            <a:r>
+              <a:rPr lang="en-US" sz="1600" dirty="0" smtClean="0">
+                <a:latin typeface="Consolas" pitchFamily="49" charset="0"/>
+                <a:cs typeface="Consolas" pitchFamily="49" charset="0"/>
+              </a:rPr>
+              <a:t>) {		</a:t>
+            </a:r>
+          </a:p>
+          <a:p>
+            <a:pPr>
+              <a:buNone/>
+            </a:pPr>
+            <a:r>
+              <a:rPr lang="en-US" sz="1600" dirty="0" smtClean="0">
+                <a:latin typeface="Consolas" pitchFamily="49" charset="0"/>
+                <a:cs typeface="Consolas" pitchFamily="49" charset="0"/>
+              </a:rPr>
+              <a:t>		Bucket&lt;Animal&gt; b = new Bucket&lt;Animal&gt;(new Animal[4]);</a:t>
+            </a:r>
+          </a:p>
+          <a:p>
+            <a:pPr>
+              <a:buNone/>
+            </a:pPr>
+            <a:r>
+              <a:rPr lang="en-US" sz="1600" dirty="0" smtClean="0">
+                <a:latin typeface="Consolas" pitchFamily="49" charset="0"/>
+                <a:cs typeface="Consolas" pitchFamily="49" charset="0"/>
+              </a:rPr>
+              <a:t>		</a:t>
+            </a:r>
+            <a:r>
+              <a:rPr lang="en-US" sz="1600" dirty="0" err="1" smtClean="0">
+                <a:latin typeface="Consolas" pitchFamily="49" charset="0"/>
+                <a:cs typeface="Consolas" pitchFamily="49" charset="0"/>
+              </a:rPr>
+              <a:t>b.add</a:t>
+            </a:r>
+            <a:r>
+              <a:rPr lang="en-US" sz="1600" dirty="0" smtClean="0">
+                <a:latin typeface="Consolas" pitchFamily="49" charset="0"/>
+                <a:cs typeface="Consolas" pitchFamily="49" charset="0"/>
+              </a:rPr>
+              <a:t>(1);//</a:t>
+            </a:r>
+            <a:r>
+              <a:rPr lang="en-US" sz="1600" dirty="0" err="1" smtClean="0">
+                <a:latin typeface="Consolas" pitchFamily="49" charset="0"/>
+                <a:cs typeface="Consolas" pitchFamily="49" charset="0"/>
+              </a:rPr>
+              <a:t>erro</a:t>
             </a:r>
             <a:endParaRPr lang="en-US" sz="1600" dirty="0" smtClean="0">
               <a:latin typeface="Consolas" pitchFamily="49" charset="0"/>
@@ -14366,326 +14570,13 @@
                 <a:latin typeface="Consolas" pitchFamily="49" charset="0"/>
                 <a:cs typeface="Consolas" pitchFamily="49" charset="0"/>
               </a:rPr>
-              <a:t>	</a:t>
+              <a:t>		</a:t>
             </a:r>
             <a:r>
               <a:rPr lang="en-US" sz="1600" dirty="0" err="1" smtClean="0">
                 <a:latin typeface="Consolas" pitchFamily="49" charset="0"/>
                 <a:cs typeface="Consolas" pitchFamily="49" charset="0"/>
               </a:rPr>
-              <a:t>int</a:t>
-            </a:r>
-            <a:r>
-              <a:rPr lang="en-US" sz="1600" dirty="0" smtClean="0">
-                <a:latin typeface="Consolas" pitchFamily="49" charset="0"/>
-                <a:cs typeface="Consolas" pitchFamily="49" charset="0"/>
-              </a:rPr>
-              <a:t> </a:t>
-            </a:r>
-            <a:r>
-              <a:rPr lang="en-US" sz="1600" dirty="0" err="1" smtClean="0">
-                <a:latin typeface="Consolas" pitchFamily="49" charset="0"/>
-                <a:cs typeface="Consolas" pitchFamily="49" charset="0"/>
-              </a:rPr>
-              <a:t>i</a:t>
-            </a:r>
-            <a:r>
-              <a:rPr lang="en-US" sz="1600" dirty="0" smtClean="0">
-                <a:latin typeface="Consolas" pitchFamily="49" charset="0"/>
-                <a:cs typeface="Consolas" pitchFamily="49" charset="0"/>
-              </a:rPr>
-              <a:t>;</a:t>
-            </a:r>
-          </a:p>
-          <a:p>
-            <a:pPr>
-              <a:buNone/>
-            </a:pPr>
-            <a:r>
-              <a:rPr lang="en-US" sz="1600" dirty="0" smtClean="0">
-                <a:latin typeface="Consolas" pitchFamily="49" charset="0"/>
-                <a:cs typeface="Consolas" pitchFamily="49" charset="0"/>
-              </a:rPr>
-              <a:t>	E[] </a:t>
-            </a:r>
-            <a:r>
-              <a:rPr lang="en-US" sz="1600" dirty="0" err="1" smtClean="0">
-                <a:latin typeface="Consolas" pitchFamily="49" charset="0"/>
-                <a:cs typeface="Consolas" pitchFamily="49" charset="0"/>
-              </a:rPr>
-              <a:t>es</a:t>
-            </a:r>
-            <a:r>
-              <a:rPr lang="en-US" sz="1600" dirty="0" smtClean="0">
-                <a:latin typeface="Consolas" pitchFamily="49" charset="0"/>
-                <a:cs typeface="Consolas" pitchFamily="49" charset="0"/>
-              </a:rPr>
-              <a:t>;</a:t>
-            </a:r>
-          </a:p>
-          <a:p>
-            <a:pPr>
-              <a:buNone/>
-            </a:pPr>
-            <a:r>
-              <a:rPr lang="en-US" sz="1600" dirty="0" smtClean="0">
-                <a:latin typeface="Consolas" pitchFamily="49" charset="0"/>
-                <a:cs typeface="Consolas" pitchFamily="49" charset="0"/>
-              </a:rPr>
-              <a:t>	Bucket(E[] </a:t>
-            </a:r>
-            <a:r>
-              <a:rPr lang="en-US" sz="1600" dirty="0" err="1" smtClean="0">
-                <a:latin typeface="Consolas" pitchFamily="49" charset="0"/>
-                <a:cs typeface="Consolas" pitchFamily="49" charset="0"/>
-              </a:rPr>
-              <a:t>es</a:t>
-            </a:r>
-            <a:r>
-              <a:rPr lang="en-US" sz="1600" dirty="0" smtClean="0">
-                <a:latin typeface="Consolas" pitchFamily="49" charset="0"/>
-                <a:cs typeface="Consolas" pitchFamily="49" charset="0"/>
-              </a:rPr>
-              <a:t>){</a:t>
-            </a:r>
-          </a:p>
-          <a:p>
-            <a:pPr>
-              <a:buNone/>
-            </a:pPr>
-            <a:r>
-              <a:rPr lang="en-US" sz="1600" dirty="0" smtClean="0">
-                <a:latin typeface="Consolas" pitchFamily="49" charset="0"/>
-                <a:cs typeface="Consolas" pitchFamily="49" charset="0"/>
-              </a:rPr>
-              <a:t>		this.es = </a:t>
-            </a:r>
-            <a:r>
-              <a:rPr lang="en-US" sz="1600" dirty="0" err="1" smtClean="0">
-                <a:latin typeface="Consolas" pitchFamily="49" charset="0"/>
-                <a:cs typeface="Consolas" pitchFamily="49" charset="0"/>
-              </a:rPr>
-              <a:t>es</a:t>
-            </a:r>
-            <a:r>
-              <a:rPr lang="en-US" sz="1600" dirty="0" smtClean="0">
-                <a:latin typeface="Consolas" pitchFamily="49" charset="0"/>
-                <a:cs typeface="Consolas" pitchFamily="49" charset="0"/>
-              </a:rPr>
-              <a:t>;</a:t>
-            </a:r>
-          </a:p>
-          <a:p>
-            <a:pPr>
-              <a:buNone/>
-            </a:pPr>
-            <a:r>
-              <a:rPr lang="en-US" sz="1600" dirty="0" smtClean="0">
-                <a:latin typeface="Consolas" pitchFamily="49" charset="0"/>
-                <a:cs typeface="Consolas" pitchFamily="49" charset="0"/>
-              </a:rPr>
-              <a:t>	}</a:t>
-            </a:r>
-          </a:p>
-          <a:p>
-            <a:pPr>
-              <a:buNone/>
-            </a:pPr>
-            <a:r>
-              <a:rPr lang="en-US" sz="1600" dirty="0" smtClean="0">
-                <a:latin typeface="Consolas" pitchFamily="49" charset="0"/>
-                <a:cs typeface="Consolas" pitchFamily="49" charset="0"/>
-              </a:rPr>
-              <a:t>	void add(E </a:t>
-            </a:r>
-            <a:r>
-              <a:rPr lang="en-US" sz="1600" dirty="0" err="1" smtClean="0">
-                <a:latin typeface="Consolas" pitchFamily="49" charset="0"/>
-                <a:cs typeface="Consolas" pitchFamily="49" charset="0"/>
-              </a:rPr>
-              <a:t>e</a:t>
-            </a:r>
-            <a:r>
-              <a:rPr lang="en-US" sz="1600" dirty="0" smtClean="0">
-                <a:latin typeface="Consolas" pitchFamily="49" charset="0"/>
-                <a:cs typeface="Consolas" pitchFamily="49" charset="0"/>
-              </a:rPr>
-              <a:t>){</a:t>
-            </a:r>
-          </a:p>
-          <a:p>
-            <a:pPr>
-              <a:buNone/>
-            </a:pPr>
-            <a:r>
-              <a:rPr lang="en-US" sz="1600" dirty="0" smtClean="0">
-                <a:latin typeface="Consolas" pitchFamily="49" charset="0"/>
-                <a:cs typeface="Consolas" pitchFamily="49" charset="0"/>
-              </a:rPr>
-              <a:t>		</a:t>
-            </a:r>
-            <a:r>
-              <a:rPr lang="en-US" sz="1600" dirty="0" err="1" smtClean="0">
-                <a:latin typeface="Consolas" pitchFamily="49" charset="0"/>
-                <a:cs typeface="Consolas" pitchFamily="49" charset="0"/>
-              </a:rPr>
-              <a:t>es</a:t>
-            </a:r>
-            <a:r>
-              <a:rPr lang="en-US" sz="1600" dirty="0" smtClean="0">
-                <a:latin typeface="Consolas" pitchFamily="49" charset="0"/>
-                <a:cs typeface="Consolas" pitchFamily="49" charset="0"/>
-              </a:rPr>
-              <a:t>[</a:t>
-            </a:r>
-            <a:r>
-              <a:rPr lang="en-US" sz="1600" dirty="0" err="1" smtClean="0">
-                <a:latin typeface="Consolas" pitchFamily="49" charset="0"/>
-                <a:cs typeface="Consolas" pitchFamily="49" charset="0"/>
-              </a:rPr>
-              <a:t>i</a:t>
-            </a:r>
-            <a:r>
-              <a:rPr lang="en-US" sz="1600" dirty="0" smtClean="0">
-                <a:latin typeface="Consolas" pitchFamily="49" charset="0"/>
-                <a:cs typeface="Consolas" pitchFamily="49" charset="0"/>
-              </a:rPr>
-              <a:t>++]=e;</a:t>
-            </a:r>
-          </a:p>
-          <a:p>
-            <a:pPr>
-              <a:buNone/>
-            </a:pPr>
-            <a:r>
-              <a:rPr lang="en-US" sz="1600" dirty="0" smtClean="0">
-                <a:latin typeface="Consolas" pitchFamily="49" charset="0"/>
-                <a:cs typeface="Consolas" pitchFamily="49" charset="0"/>
-              </a:rPr>
-              <a:t>	</a:t>
-            </a:r>
-            <a:r>
-              <a:rPr lang="en-US" sz="1600" dirty="0" smtClean="0">
-                <a:latin typeface="Consolas" pitchFamily="49" charset="0"/>
-                <a:cs typeface="Consolas" pitchFamily="49" charset="0"/>
-              </a:rPr>
-              <a:t>}</a:t>
-            </a:r>
-          </a:p>
-          <a:p>
-            <a:pPr>
-              <a:buNone/>
-            </a:pPr>
-            <a:r>
-              <a:rPr lang="en-US" sz="1600" dirty="0" smtClean="0">
-                <a:latin typeface="Consolas" pitchFamily="49" charset="0"/>
-                <a:cs typeface="Consolas" pitchFamily="49" charset="0"/>
-              </a:rPr>
-              <a:t>	public </a:t>
-            </a:r>
-            <a:r>
-              <a:rPr lang="en-US" sz="1600" dirty="0" smtClean="0">
-                <a:latin typeface="Consolas" pitchFamily="49" charset="0"/>
-                <a:cs typeface="Consolas" pitchFamily="49" charset="0"/>
-              </a:rPr>
-              <a:t>static void main(String[] </a:t>
-            </a:r>
-            <a:r>
-              <a:rPr lang="en-US" sz="1600" dirty="0" err="1" smtClean="0">
-                <a:latin typeface="Consolas" pitchFamily="49" charset="0"/>
-                <a:cs typeface="Consolas" pitchFamily="49" charset="0"/>
-              </a:rPr>
-              <a:t>args</a:t>
-            </a:r>
-            <a:r>
-              <a:rPr lang="en-US" sz="1600" dirty="0" smtClean="0">
-                <a:latin typeface="Consolas" pitchFamily="49" charset="0"/>
-                <a:cs typeface="Consolas" pitchFamily="49" charset="0"/>
-              </a:rPr>
-              <a:t>) {		</a:t>
-            </a:r>
-          </a:p>
-          <a:p>
-            <a:pPr>
-              <a:buNone/>
-            </a:pPr>
-            <a:r>
-              <a:rPr lang="en-US" sz="1600" dirty="0" smtClean="0">
-                <a:latin typeface="Consolas" pitchFamily="49" charset="0"/>
-                <a:cs typeface="Consolas" pitchFamily="49" charset="0"/>
-              </a:rPr>
-              <a:t>		</a:t>
-            </a:r>
-            <a:r>
-              <a:rPr lang="en-US" sz="1600" dirty="0" smtClean="0">
-                <a:latin typeface="Consolas" pitchFamily="49" charset="0"/>
-                <a:cs typeface="Consolas" pitchFamily="49" charset="0"/>
-              </a:rPr>
-              <a:t>Bucket&lt;Animal&gt; </a:t>
-            </a:r>
-            <a:r>
-              <a:rPr lang="en-US" sz="1600" dirty="0" smtClean="0">
-                <a:latin typeface="Consolas" pitchFamily="49" charset="0"/>
-                <a:cs typeface="Consolas" pitchFamily="49" charset="0"/>
-              </a:rPr>
-              <a:t>b = </a:t>
-            </a:r>
-            <a:r>
-              <a:rPr lang="en-US" sz="1600" dirty="0" smtClean="0">
-                <a:latin typeface="Consolas" pitchFamily="49" charset="0"/>
-                <a:cs typeface="Consolas" pitchFamily="49" charset="0"/>
-              </a:rPr>
-              <a:t>new Bucket&lt;</a:t>
-            </a:r>
-            <a:r>
-              <a:rPr lang="en-US" sz="1600" dirty="0" smtClean="0">
-                <a:latin typeface="Consolas" pitchFamily="49" charset="0"/>
-                <a:cs typeface="Consolas" pitchFamily="49" charset="0"/>
-              </a:rPr>
-              <a:t>Animal</a:t>
-            </a:r>
-            <a:r>
-              <a:rPr lang="en-US" sz="1600" dirty="0" smtClean="0">
-                <a:latin typeface="Consolas" pitchFamily="49" charset="0"/>
-                <a:cs typeface="Consolas" pitchFamily="49" charset="0"/>
-              </a:rPr>
-              <a:t>&gt;(</a:t>
-            </a:r>
-            <a:r>
-              <a:rPr lang="en-US" sz="1600" dirty="0" smtClean="0">
-                <a:latin typeface="Consolas" pitchFamily="49" charset="0"/>
-                <a:cs typeface="Consolas" pitchFamily="49" charset="0"/>
-              </a:rPr>
-              <a:t>new </a:t>
-            </a:r>
-            <a:r>
-              <a:rPr lang="en-US" sz="1600" dirty="0" smtClean="0">
-                <a:latin typeface="Consolas" pitchFamily="49" charset="0"/>
-                <a:cs typeface="Consolas" pitchFamily="49" charset="0"/>
-              </a:rPr>
-              <a:t>Animal[4]);</a:t>
-            </a:r>
-            <a:endParaRPr lang="en-US" sz="1600" dirty="0" smtClean="0">
-              <a:latin typeface="Consolas" pitchFamily="49" charset="0"/>
-              <a:cs typeface="Consolas" pitchFamily="49" charset="0"/>
-            </a:endParaRPr>
-          </a:p>
-          <a:p>
-            <a:pPr>
-              <a:buNone/>
-            </a:pPr>
-            <a:r>
-              <a:rPr lang="en-US" sz="1600" dirty="0" smtClean="0">
-                <a:latin typeface="Consolas" pitchFamily="49" charset="0"/>
-                <a:cs typeface="Consolas" pitchFamily="49" charset="0"/>
-              </a:rPr>
-              <a:t>		</a:t>
-            </a:r>
-            <a:r>
-              <a:rPr lang="en-US" sz="1600" dirty="0" err="1" smtClean="0">
-                <a:latin typeface="Consolas" pitchFamily="49" charset="0"/>
-                <a:cs typeface="Consolas" pitchFamily="49" charset="0"/>
-              </a:rPr>
               <a:t>b.add</a:t>
             </a:r>
             <a:r>
@@ -14693,56 +14584,8 @@
                 <a:latin typeface="Consolas" pitchFamily="49" charset="0"/>
                 <a:cs typeface="Consolas" pitchFamily="49" charset="0"/>
               </a:rPr>
-              <a:t>(1</a:t>
-            </a:r>
-            <a:r>
-              <a:rPr lang="en-US" sz="1600" dirty="0" smtClean="0">
-                <a:latin typeface="Consolas" pitchFamily="49" charset="0"/>
-                <a:cs typeface="Consolas" pitchFamily="49" charset="0"/>
-              </a:rPr>
-              <a:t>);//</a:t>
-            </a:r>
-            <a:r>
-              <a:rPr lang="en-US" sz="1600" dirty="0" err="1" smtClean="0">
-                <a:latin typeface="Consolas" pitchFamily="49" charset="0"/>
-                <a:cs typeface="Consolas" pitchFamily="49" charset="0"/>
-              </a:rPr>
-              <a:t>erro</a:t>
-            </a:r>
-            <a:endParaRPr lang="en-US" sz="1600" dirty="0" smtClean="0">
-              <a:latin typeface="Consolas" pitchFamily="49" charset="0"/>
-              <a:cs typeface="Consolas" pitchFamily="49" charset="0"/>
-            </a:endParaRPr>
-          </a:p>
-          <a:p>
-            <a:pPr>
-              <a:buNone/>
-            </a:pPr>
-            <a:r>
-              <a:rPr lang="en-US" sz="1600" dirty="0" smtClean="0">
-                <a:latin typeface="Consolas" pitchFamily="49" charset="0"/>
-                <a:cs typeface="Consolas" pitchFamily="49" charset="0"/>
-              </a:rPr>
-              <a:t>		</a:t>
-            </a:r>
-            <a:r>
-              <a:rPr lang="en-US" sz="1600" dirty="0" err="1" smtClean="0">
-                <a:latin typeface="Consolas" pitchFamily="49" charset="0"/>
-                <a:cs typeface="Consolas" pitchFamily="49" charset="0"/>
-              </a:rPr>
-              <a:t>b.add</a:t>
-            </a:r>
-            <a:r>
-              <a:rPr lang="en-US" sz="1600" dirty="0" smtClean="0">
-                <a:latin typeface="Consolas" pitchFamily="49" charset="0"/>
-                <a:cs typeface="Consolas" pitchFamily="49" charset="0"/>
-              </a:rPr>
               <a:t>(new Dog());//ok</a:t>
             </a:r>
-            <a:endParaRPr lang="en-US" sz="1600" dirty="0" smtClean="0">
-              <a:latin typeface="Consolas" pitchFamily="49" charset="0"/>
-              <a:cs typeface="Consolas" pitchFamily="49" charset="0"/>
-            </a:endParaRPr>
           </a:p>
           <a:p>
             <a:pPr>
@@ -15099,14 +14942,7 @@
                 <a:latin typeface="Consolas" pitchFamily="49" charset="0"/>
                 <a:cs typeface="Consolas" pitchFamily="49" charset="0"/>
               </a:rPr>
-              <a:t>) </a:t>
-            </a:r>
-            <a:r>
-              <a:rPr lang="en-US" sz="1600" dirty="0" smtClean="0">
-                <a:latin typeface="Consolas" pitchFamily="49" charset="0"/>
-                <a:cs typeface="Consolas" pitchFamily="49" charset="0"/>
-              </a:rPr>
-              <a:t>{</a:t>
+              <a:t>) {</a:t>
             </a:r>
           </a:p>
           <a:p>
@@ -15132,35 +14968,7 @@
                 <a:latin typeface="Consolas" pitchFamily="49" charset="0"/>
                 <a:cs typeface="Consolas" pitchFamily="49" charset="0"/>
               </a:rPr>
-              <a:t>&lt;T</a:t>
-            </a:r>
-            <a:r>
-              <a:rPr lang="en-US" sz="1600" dirty="0" smtClean="0">
-                <a:latin typeface="Consolas" pitchFamily="49" charset="0"/>
-                <a:cs typeface="Consolas" pitchFamily="49" charset="0"/>
-              </a:rPr>
-              <a:t>&gt;(); </a:t>
-            </a:r>
-            <a:r>
-              <a:rPr lang="en-US" sz="1600" dirty="0" smtClean="0">
-                <a:latin typeface="Consolas" pitchFamily="49" charset="0"/>
-                <a:cs typeface="Consolas" pitchFamily="49" charset="0"/>
-              </a:rPr>
-              <a:t>	</a:t>
-            </a:r>
-            <a:r>
-              <a:rPr lang="en-US" sz="1600" dirty="0" smtClean="0">
-                <a:latin typeface="Consolas" pitchFamily="49" charset="0"/>
-                <a:cs typeface="Consolas" pitchFamily="49" charset="0"/>
-              </a:rPr>
-              <a:t>			</a:t>
-            </a:r>
-            <a:r>
-              <a:rPr lang="en-US" sz="1600" dirty="0" smtClean="0">
-                <a:latin typeface="Consolas" pitchFamily="49" charset="0"/>
-                <a:cs typeface="Consolas" pitchFamily="49" charset="0"/>
-              </a:rPr>
-              <a:t>	</a:t>
+              <a:t>&lt;T&gt;(); 					</a:t>
             </a:r>
             <a:r>
               <a:rPr lang="en-US" sz="1600" dirty="0" err="1" smtClean="0">
@@ -15186,14 +14994,7 @@
                 <a:latin typeface="Consolas" pitchFamily="49" charset="0"/>
                 <a:cs typeface="Consolas" pitchFamily="49" charset="0"/>
               </a:rPr>
-              <a:t>	</a:t>
-            </a:r>
-            <a:r>
-              <a:rPr lang="en-US" sz="1600" dirty="0" smtClean="0">
-                <a:latin typeface="Consolas" pitchFamily="49" charset="0"/>
-                <a:cs typeface="Consolas" pitchFamily="49" charset="0"/>
-              </a:rPr>
-              <a:t>}</a:t>
+              <a:t>	}</a:t>
             </a:r>
           </a:p>
           <a:p>
@@ -15214,14 +15015,7 @@
                 <a:latin typeface="Consolas" pitchFamily="49" charset="0"/>
                 <a:cs typeface="Consolas" pitchFamily="49" charset="0"/>
               </a:rPr>
-              <a:t>	public </a:t>
-            </a:r>
-            <a:r>
-              <a:rPr lang="en-US" sz="1600" dirty="0" smtClean="0">
-                <a:latin typeface="Consolas" pitchFamily="49" charset="0"/>
-                <a:cs typeface="Consolas" pitchFamily="49" charset="0"/>
-              </a:rPr>
-              <a:t>static void main(String[] </a:t>
+              <a:t>	public static void main(String[] </a:t>
             </a:r>
             <a:r>
               <a:rPr lang="en-US" sz="1600" dirty="0" err="1" smtClean="0">
@@ -15247,14 +15041,7 @@
                 <a:latin typeface="Consolas" pitchFamily="49" charset="0"/>
                 <a:cs typeface="Consolas" pitchFamily="49" charset="0"/>
               </a:rPr>
-              <a:t>	</a:t>
-            </a:r>
-            <a:r>
-              <a:rPr lang="en-US" sz="1600" dirty="0" smtClean="0">
-                <a:latin typeface="Consolas" pitchFamily="49" charset="0"/>
-                <a:cs typeface="Consolas" pitchFamily="49" charset="0"/>
-              </a:rPr>
-              <a:t>	new </a:t>
+              <a:t>		new </a:t>
             </a:r>
             <a:r>
               <a:rPr lang="en-US" sz="1600" dirty="0" err="1" smtClean="0">
@@ -15296,10 +15083,6 @@
               </a:rPr>
               <a:t>	}</a:t>
             </a:r>
-            <a:endParaRPr lang="en-US" sz="1600" dirty="0" smtClean="0">
-              <a:latin typeface="Consolas" pitchFamily="49" charset="0"/>
-              <a:cs typeface="Consolas" pitchFamily="49" charset="0"/>
-            </a:endParaRPr>
           </a:p>
           <a:p>
             <a:pPr>
@@ -15651,6 +15434,13 @@
     <a:masterClrMapping/>
   </p:clrMapOvr>
   <p:transition spd="slow"/>
+  <p:timing>
+    <p:tnLst>
+      <p:par>
+        <p:cTn id="1" dur="indefinite" restart="never" nodeType="tmRoot"/>
+      </p:par>
+    </p:tnLst>
+  </p:timing>
 </p:sld>
 </file>
 
@@ -16142,6 +15932,13 @@
     <a:masterClrMapping/>
   </p:clrMapOvr>
   <p:transition spd="slow"/>
+  <p:timing>
+    <p:tnLst>
+      <p:par>
+        <p:cTn id="1" dur="indefinite" restart="never" nodeType="tmRoot"/>
+      </p:par>
+    </p:tnLst>
+  </p:timing>
 </p:sld>
 </file>
 
@@ -16530,6 +16327,13 @@
     <a:masterClrMapping/>
   </p:clrMapOvr>
   <p:transition spd="slow"/>
+  <p:timing>
+    <p:tnLst>
+      <p:par>
+        <p:cTn id="1" dur="indefinite" restart="never" nodeType="tmRoot"/>
+      </p:par>
+    </p:tnLst>
+  </p:timing>
 </p:sld>
 </file>
 
@@ -17008,6 +16812,13 @@
     <a:masterClrMapping/>
   </p:clrMapOvr>
   <p:transition spd="slow"/>
+  <p:timing>
+    <p:tnLst>
+      <p:par>
+        <p:cTn id="1" dur="indefinite" restart="never" nodeType="tmRoot"/>
+      </p:par>
+    </p:tnLst>
+  </p:timing>
 </p:sld>
 </file>
 
@@ -17065,15 +16876,7 @@
             </a:r>
             <a:r>
               <a:rPr lang="pt-BR" dirty="0" smtClean="0"/>
-              <a:t>, que estamos correndo um </a:t>
-            </a:r>
-            <a:r>
-              <a:rPr lang="pt-BR" dirty="0" smtClean="0"/>
-              <a:t>grande risco ao </a:t>
-            </a:r>
-            <a:r>
-              <a:rPr lang="pt-BR" dirty="0" smtClean="0"/>
-              <a:t>enviar a lista genérica a um método que não é</a:t>
+              <a:t>, que estamos correndo um grande risco ao enviar a lista genérica a um método que não é</a:t>
             </a:r>
           </a:p>
           <a:p>
@@ -17136,6 +16939,13 @@
     <a:masterClrMapping/>
   </p:clrMapOvr>
   <p:transition spd="slow"/>
+  <p:timing>
+    <p:tnLst>
+      <p:par>
+        <p:cTn id="1" dur="indefinite" restart="never" nodeType="tmRoot"/>
+      </p:par>
+    </p:tnLst>
+  </p:timing>
 </p:sld>
 </file>
 
@@ -17398,6 +17208,13 @@
     <a:masterClrMapping/>
   </p:clrMapOvr>
   <p:transition spd="slow"/>
+  <p:timing>
+    <p:tnLst>
+      <p:par>
+        <p:cTn id="1" dur="indefinite" restart="never" nodeType="tmRoot"/>
+      </p:par>
+    </p:tnLst>
+  </p:timing>
 </p:sld>
 </file>
 
